--- a/BITPro10272018/Azure Cloud Shell.pptx
+++ b/BITPro10272018/Azure Cloud Shell.pptx
@@ -6,8 +6,12 @@
   </p:sldMasterIdLst>
   <p:sldIdLst>
     <p:sldId id="256" r:id="rId2"/>
-    <p:sldId id="257" r:id="rId3"/>
-    <p:sldId id="258" r:id="rId4"/>
+    <p:sldId id="263" r:id="rId3"/>
+    <p:sldId id="257" r:id="rId4"/>
+    <p:sldId id="258" r:id="rId5"/>
+    <p:sldId id="259" r:id="rId6"/>
+    <p:sldId id="260" r:id="rId7"/>
+    <p:sldId id="262" r:id="rId8"/>
   </p:sldIdLst>
   <p:sldSz cx="12192000" cy="6858000"/>
   <p:notesSz cx="6858000" cy="9144000"/>
@@ -106,6 +110,11 @@
       </a:defRPr>
     </a:lvl9pPr>
   </p:defaultTextStyle>
+  <p:extLst>
+    <p:ext uri="{EFAFB233-063F-42B5-8137-9DF3F51BA10A}">
+      <p15:sldGuideLst xmlns:p15="http://schemas.microsoft.com/office/powerpoint/2012/main"/>
+    </p:ext>
+  </p:extLst>
 </p:presentation>
 </file>
 
@@ -256,7 +265,7 @@
           <a:p>
             <a:fld id="{F0483DDA-8254-468B-A148-8EE6EBCA2ACB}" type="datetimeFigureOut">
               <a:rPr lang="en-US" smtClean="0"/>
-              <a:t>10/24/2018</a:t>
+              <a:t>10/27/2018</a:t>
             </a:fld>
             <a:endParaRPr lang="en-US"/>
           </a:p>
@@ -454,7 +463,7 @@
           <a:p>
             <a:fld id="{F0483DDA-8254-468B-A148-8EE6EBCA2ACB}" type="datetimeFigureOut">
               <a:rPr lang="en-US" smtClean="0"/>
-              <a:t>10/24/2018</a:t>
+              <a:t>10/27/2018</a:t>
             </a:fld>
             <a:endParaRPr lang="en-US"/>
           </a:p>
@@ -662,7 +671,7 @@
           <a:p>
             <a:fld id="{F0483DDA-8254-468B-A148-8EE6EBCA2ACB}" type="datetimeFigureOut">
               <a:rPr lang="en-US" smtClean="0"/>
-              <a:t>10/24/2018</a:t>
+              <a:t>10/27/2018</a:t>
             </a:fld>
             <a:endParaRPr lang="en-US"/>
           </a:p>
@@ -860,7 +869,7 @@
           <a:p>
             <a:fld id="{F0483DDA-8254-468B-A148-8EE6EBCA2ACB}" type="datetimeFigureOut">
               <a:rPr lang="en-US" smtClean="0"/>
-              <a:t>10/24/2018</a:t>
+              <a:t>10/27/2018</a:t>
             </a:fld>
             <a:endParaRPr lang="en-US"/>
           </a:p>
@@ -1135,7 +1144,7 @@
           <a:p>
             <a:fld id="{F0483DDA-8254-468B-A148-8EE6EBCA2ACB}" type="datetimeFigureOut">
               <a:rPr lang="en-US" smtClean="0"/>
-              <a:t>10/24/2018</a:t>
+              <a:t>10/27/2018</a:t>
             </a:fld>
             <a:endParaRPr lang="en-US"/>
           </a:p>
@@ -1400,7 +1409,7 @@
           <a:p>
             <a:fld id="{F0483DDA-8254-468B-A148-8EE6EBCA2ACB}" type="datetimeFigureOut">
               <a:rPr lang="en-US" smtClean="0"/>
-              <a:t>10/24/2018</a:t>
+              <a:t>10/27/2018</a:t>
             </a:fld>
             <a:endParaRPr lang="en-US"/>
           </a:p>
@@ -1812,7 +1821,7 @@
           <a:p>
             <a:fld id="{F0483DDA-8254-468B-A148-8EE6EBCA2ACB}" type="datetimeFigureOut">
               <a:rPr lang="en-US" smtClean="0"/>
-              <a:t>10/24/2018</a:t>
+              <a:t>10/27/2018</a:t>
             </a:fld>
             <a:endParaRPr lang="en-US"/>
           </a:p>
@@ -1953,7 +1962,7 @@
           <a:p>
             <a:fld id="{F0483DDA-8254-468B-A148-8EE6EBCA2ACB}" type="datetimeFigureOut">
               <a:rPr lang="en-US" smtClean="0"/>
-              <a:t>10/24/2018</a:t>
+              <a:t>10/27/2018</a:t>
             </a:fld>
             <a:endParaRPr lang="en-US"/>
           </a:p>
@@ -2066,7 +2075,7 @@
           <a:p>
             <a:fld id="{F0483DDA-8254-468B-A148-8EE6EBCA2ACB}" type="datetimeFigureOut">
               <a:rPr lang="en-US" smtClean="0"/>
-              <a:t>10/24/2018</a:t>
+              <a:t>10/27/2018</a:t>
             </a:fld>
             <a:endParaRPr lang="en-US"/>
           </a:p>
@@ -2377,7 +2386,7 @@
           <a:p>
             <a:fld id="{F0483DDA-8254-468B-A148-8EE6EBCA2ACB}" type="datetimeFigureOut">
               <a:rPr lang="en-US" smtClean="0"/>
-              <a:t>10/24/2018</a:t>
+              <a:t>10/27/2018</a:t>
             </a:fld>
             <a:endParaRPr lang="en-US"/>
           </a:p>
@@ -2665,7 +2674,7 @@
           <a:p>
             <a:fld id="{F0483DDA-8254-468B-A148-8EE6EBCA2ACB}" type="datetimeFigureOut">
               <a:rPr lang="en-US" smtClean="0"/>
-              <a:t>10/24/2018</a:t>
+              <a:t>10/27/2018</a:t>
             </a:fld>
             <a:endParaRPr lang="en-US"/>
           </a:p>
@@ -2906,7 +2915,7 @@
           <a:p>
             <a:fld id="{F0483DDA-8254-468B-A148-8EE6EBCA2ACB}" type="datetimeFigureOut">
               <a:rPr lang="en-US" smtClean="0"/>
-              <a:t>10/24/2018</a:t>
+              <a:t>10/27/2018</a:t>
             </a:fld>
             <a:endParaRPr lang="en-US"/>
           </a:p>
@@ -3764,8 +3773,8 @@
         </p:nvSpPr>
         <p:spPr>
           <a:xfrm>
-            <a:off x="804484" y="6199477"/>
-            <a:ext cx="3182281" cy="646331"/>
+            <a:off x="804484" y="6016596"/>
+            <a:ext cx="5822510" cy="830997"/>
           </a:xfrm>
           <a:prstGeom prst="rect">
             <a:avLst/>
@@ -3773,13 +3782,13 @@
           <a:noFill/>
         </p:spPr>
         <p:txBody>
-          <a:bodyPr wrap="none" rtlCol="0">
+          <a:bodyPr wrap="square" rtlCol="0">
             <a:spAutoFit/>
           </a:bodyPr>
           <a:lstStyle/>
           <a:p>
             <a:r>
-              <a:rPr lang="en-US" dirty="0">
+              <a:rPr lang="en-US" sz="2400" dirty="0">
                 <a:solidFill>
                   <a:srgbClr val="3B3838"/>
                 </a:solidFill>
@@ -3791,7 +3800,7 @@
           </a:p>
           <a:p>
             <a:r>
-              <a:rPr lang="en-US" dirty="0">
+              <a:rPr lang="en-US" sz="2400" dirty="0">
                 <a:solidFill>
                   <a:srgbClr val="3B3838"/>
                 </a:solidFill>
@@ -3880,6 +3889,234 @@
           <a:chExt cx="0" cy="0"/>
         </a:xfrm>
       </p:grpSpPr>
+      <p:pic>
+        <p:nvPicPr>
+          <p:cNvPr id="1026" name="Picture 2" descr="https://www.reliablecarsrental.com/blog/wp-content/uploads/2017/07/Places-to-Visit-Near-Bangalore-1024x397.jpg">
+            <a:extLst>
+              <a:ext uri="{FF2B5EF4-FFF2-40B4-BE49-F238E27FC236}">
+                <a16:creationId xmlns:a16="http://schemas.microsoft.com/office/drawing/2014/main" id="{D67A552D-38E8-45AF-827A-11FE5DC357C6}"/>
+              </a:ext>
+            </a:extLst>
+          </p:cNvPr>
+          <p:cNvPicPr>
+            <a:picLocks noChangeAspect="1" noChangeArrowheads="1"/>
+          </p:cNvPicPr>
+          <p:nvPr/>
+        </p:nvPicPr>
+        <p:blipFill>
+          <a:blip r:embed="rId2">
+            <a:extLst>
+              <a:ext uri="{28A0092B-C50C-407E-A947-70E740481C1C}">
+                <a14:useLocalDpi xmlns:a14="http://schemas.microsoft.com/office/drawing/2010/main" val="0"/>
+              </a:ext>
+            </a:extLst>
+          </a:blip>
+          <a:srcRect/>
+          <a:stretch>
+            <a:fillRect/>
+          </a:stretch>
+        </p:blipFill>
+        <p:spPr bwMode="auto">
+          <a:xfrm>
+            <a:off x="0" y="-19250"/>
+            <a:ext cx="12192000" cy="3781425"/>
+          </a:xfrm>
+          <a:prstGeom prst="rect">
+            <a:avLst/>
+          </a:prstGeom>
+          <a:noFill/>
+          <a:extLst>
+            <a:ext uri="{909E8E84-426E-40DD-AFC4-6F175D3DCCD1}">
+              <a14:hiddenFill xmlns:a14="http://schemas.microsoft.com/office/drawing/2010/main">
+                <a:solidFill>
+                  <a:srgbClr val="FFFFFF"/>
+                </a:solidFill>
+              </a14:hiddenFill>
+            </a:ext>
+          </a:extLst>
+        </p:spPr>
+      </p:pic>
+      <p:pic>
+        <p:nvPicPr>
+          <p:cNvPr id="1028" name="Picture 4" descr="Image result for psconf asia">
+            <a:extLst>
+              <a:ext uri="{FF2B5EF4-FFF2-40B4-BE49-F238E27FC236}">
+                <a16:creationId xmlns:a16="http://schemas.microsoft.com/office/drawing/2014/main" id="{C102072E-8C29-42ED-BAD8-A8C80D20FE4B}"/>
+              </a:ext>
+            </a:extLst>
+          </p:cNvPr>
+          <p:cNvPicPr>
+            <a:picLocks noChangeAspect="1" noChangeArrowheads="1"/>
+          </p:cNvPicPr>
+          <p:nvPr/>
+        </p:nvPicPr>
+        <p:blipFill>
+          <a:blip r:embed="rId3">
+            <a:extLst>
+              <a:ext uri="{28A0092B-C50C-407E-A947-70E740481C1C}">
+                <a14:useLocalDpi xmlns:a14="http://schemas.microsoft.com/office/drawing/2010/main" val="0"/>
+              </a:ext>
+            </a:extLst>
+          </a:blip>
+          <a:srcRect/>
+          <a:stretch>
+            <a:fillRect/>
+          </a:stretch>
+        </p:blipFill>
+        <p:spPr bwMode="auto">
+          <a:xfrm>
+            <a:off x="33738" y="4166987"/>
+            <a:ext cx="2143125" cy="2143125"/>
+          </a:xfrm>
+          <a:prstGeom prst="rect">
+            <a:avLst/>
+          </a:prstGeom>
+          <a:noFill/>
+          <a:extLst>
+            <a:ext uri="{909E8E84-426E-40DD-AFC4-6F175D3DCCD1}">
+              <a14:hiddenFill xmlns:a14="http://schemas.microsoft.com/office/drawing/2010/main">
+                <a:solidFill>
+                  <a:srgbClr val="FFFFFF"/>
+                </a:solidFill>
+              </a14:hiddenFill>
+            </a:ext>
+          </a:extLst>
+        </p:spPr>
+      </p:pic>
+      <p:sp>
+        <p:nvSpPr>
+          <p:cNvPr id="8" name="TextBox 7">
+            <a:extLst>
+              <a:ext uri="{FF2B5EF4-FFF2-40B4-BE49-F238E27FC236}">
+                <a16:creationId xmlns:a16="http://schemas.microsoft.com/office/drawing/2014/main" id="{5919E864-21CF-4B56-9307-E3B2424B3065}"/>
+              </a:ext>
+            </a:extLst>
+          </p:cNvPr>
+          <p:cNvSpPr txBox="1"/>
+          <p:nvPr/>
+        </p:nvSpPr>
+        <p:spPr>
+          <a:xfrm>
+            <a:off x="1912699" y="4528688"/>
+            <a:ext cx="10409388" cy="1169551"/>
+          </a:xfrm>
+          <a:prstGeom prst="rect">
+            <a:avLst/>
+          </a:prstGeom>
+          <a:noFill/>
+        </p:spPr>
+        <p:txBody>
+          <a:bodyPr wrap="none" rtlCol="0">
+            <a:spAutoFit/>
+          </a:bodyPr>
+          <a:lstStyle/>
+          <a:p>
+            <a:pPr algn="ctr"/>
+            <a:r>
+              <a:rPr lang="en-IN" sz="3500" dirty="0">
+                <a:latin typeface="Segoe UI" panose="020B0502040204020203" pitchFamily="34" charset="0"/>
+                <a:cs typeface="Segoe UI" panose="020B0502040204020203" pitchFamily="34" charset="0"/>
+              </a:rPr>
+              <a:t>PowerShell Conference Asia 2019, </a:t>
+            </a:r>
+            <a:r>
+              <a:rPr lang="en-IN" sz="3500" b="1" dirty="0">
+                <a:solidFill>
+                  <a:srgbClr val="00B050"/>
+                </a:solidFill>
+                <a:latin typeface="Segoe UI" panose="020B0502040204020203" pitchFamily="34" charset="0"/>
+                <a:cs typeface="Segoe UI" panose="020B0502040204020203" pitchFamily="34" charset="0"/>
+              </a:rPr>
+              <a:t>Bangalore, India</a:t>
+            </a:r>
+          </a:p>
+          <a:p>
+            <a:pPr algn="ctr"/>
+            <a:r>
+              <a:rPr lang="en-IN" sz="3500" dirty="0">
+                <a:latin typeface="Segoe UI" panose="020B0502040204020203" pitchFamily="34" charset="0"/>
+                <a:cs typeface="Segoe UI" panose="020B0502040204020203" pitchFamily="34" charset="0"/>
+              </a:rPr>
+              <a:t>September 19-21</a:t>
+            </a:r>
+          </a:p>
+        </p:txBody>
+      </p:sp>
+      <p:sp>
+        <p:nvSpPr>
+          <p:cNvPr id="9" name="TextBox 8">
+            <a:extLst>
+              <a:ext uri="{FF2B5EF4-FFF2-40B4-BE49-F238E27FC236}">
+                <a16:creationId xmlns:a16="http://schemas.microsoft.com/office/drawing/2014/main" id="{B6848D7D-C607-4F93-A3F2-1597920FEE33}"/>
+              </a:ext>
+            </a:extLst>
+          </p:cNvPr>
+          <p:cNvSpPr txBox="1"/>
+          <p:nvPr/>
+        </p:nvSpPr>
+        <p:spPr>
+          <a:xfrm>
+            <a:off x="6175276" y="6581001"/>
+            <a:ext cx="6162713" cy="276999"/>
+          </a:xfrm>
+          <a:prstGeom prst="rect">
+            <a:avLst/>
+          </a:prstGeom>
+          <a:noFill/>
+        </p:spPr>
+        <p:txBody>
+          <a:bodyPr wrap="none" rtlCol="0">
+            <a:spAutoFit/>
+          </a:bodyPr>
+          <a:lstStyle/>
+          <a:p>
+            <a:r>
+              <a:rPr lang="en-IN" sz="1200" dirty="0"/>
+              <a:t>PC: </a:t>
+            </a:r>
+            <a:r>
+              <a:rPr lang="en-IN" sz="1200" dirty="0">
+                <a:hlinkClick r:id="rId4"/>
+              </a:rPr>
+              <a:t>https://www.reliablecarsrental.com/blog/5-short-road-trip-destinations-around-bangalore/</a:t>
+            </a:r>
+            <a:r>
+              <a:rPr lang="en-IN" sz="1200" dirty="0"/>
+              <a:t> </a:t>
+            </a:r>
+          </a:p>
+        </p:txBody>
+      </p:sp>
+    </p:spTree>
+    <p:extLst>
+      <p:ext uri="{BB962C8B-B14F-4D97-AF65-F5344CB8AC3E}">
+        <p14:creationId xmlns:p14="http://schemas.microsoft.com/office/powerpoint/2010/main" val="615631939"/>
+      </p:ext>
+    </p:extLst>
+  </p:cSld>
+  <p:clrMapOvr>
+    <a:masterClrMapping/>
+  </p:clrMapOvr>
+</p:sld>
+</file>
+
+<file path=ppt/slides/slide3.xml><?xml version="1.0" encoding="utf-8"?>
+<p:sld xmlns:a="http://schemas.openxmlformats.org/drawingml/2006/main" xmlns:r="http://schemas.openxmlformats.org/officeDocument/2006/relationships" xmlns:p="http://schemas.openxmlformats.org/presentationml/2006/main">
+  <p:cSld>
+    <p:spTree>
+      <p:nvGrpSpPr>
+        <p:cNvPr id="1" name=""/>
+        <p:cNvGrpSpPr/>
+        <p:nvPr/>
+      </p:nvGrpSpPr>
+      <p:grpSpPr>
+        <a:xfrm>
+          <a:off x="0" y="0"/>
+          <a:ext cx="0" cy="0"/>
+          <a:chOff x="0" y="0"/>
+          <a:chExt cx="0" cy="0"/>
+        </a:xfrm>
+      </p:grpSpPr>
       <p:sp>
         <p:nvSpPr>
           <p:cNvPr id="2" name="Title 1">
@@ -3930,7 +4167,7 @@
         <p:spPr/>
         <p:txBody>
           <a:bodyPr>
-            <a:normAutofit fontScale="85000" lnSpcReduction="20000"/>
+            <a:normAutofit/>
           </a:bodyPr>
           <a:lstStyle/>
           <a:p>
@@ -3940,6 +4177,15 @@
                 <a:cs typeface="Segoe UI" panose="020B0502040204020203" pitchFamily="34" charset="0"/>
               </a:rPr>
               <a:t>Interactive, browser-accessible shell for managing Azure resources.</a:t>
+            </a:r>
+          </a:p>
+          <a:p>
+            <a:r>
+              <a:rPr lang="en-US" dirty="0">
+                <a:latin typeface="Segoe UI" panose="020B0502040204020203" pitchFamily="34" charset="0"/>
+                <a:cs typeface="Segoe UI" panose="020B0502040204020203" pitchFamily="34" charset="0"/>
+              </a:rPr>
+              <a:t>Supports Bash and PowerShell</a:t>
             </a:r>
           </a:p>
           <a:p>
@@ -4004,75 +4250,6 @@
                 <a:cs typeface="Segoe UI" panose="020B0502040204020203" pitchFamily="34" charset="0"/>
               </a:rPr>
               <a:t>Azure mobile application</a:t>
-            </a:r>
-          </a:p>
-          <a:p>
-            <a:r>
-              <a:rPr lang="en-US" dirty="0">
-                <a:latin typeface="Segoe UI" panose="020B0502040204020203" pitchFamily="34" charset="0"/>
-                <a:cs typeface="Segoe UI" panose="020B0502040204020203" pitchFamily="34" charset="0"/>
-              </a:rPr>
-              <a:t>Features</a:t>
-            </a:r>
-          </a:p>
-          <a:p>
-            <a:pPr lvl="1"/>
-            <a:r>
-              <a:rPr lang="en-US" dirty="0">
-                <a:latin typeface="Segoe UI" panose="020B0502040204020203" pitchFamily="34" charset="0"/>
-                <a:cs typeface="Segoe UI" panose="020B0502040204020203" pitchFamily="34" charset="0"/>
-              </a:rPr>
-              <a:t>Supports Bash and PowerShell</a:t>
-            </a:r>
-          </a:p>
-          <a:p>
-            <a:pPr lvl="1"/>
-            <a:r>
-              <a:rPr lang="en-US" dirty="0">
-                <a:latin typeface="Segoe UI" panose="020B0502040204020203" pitchFamily="34" charset="0"/>
-                <a:cs typeface="Segoe UI" panose="020B0502040204020203" pitchFamily="34" charset="0"/>
-              </a:rPr>
-              <a:t>Secure automatic authentication</a:t>
-            </a:r>
-          </a:p>
-          <a:p>
-            <a:pPr lvl="1"/>
-            <a:r>
-              <a:rPr lang="en-US" dirty="0">
-                <a:latin typeface="Segoe UI" panose="020B0502040204020203" pitchFamily="34" charset="0"/>
-                <a:cs typeface="Segoe UI" panose="020B0502040204020203" pitchFamily="34" charset="0"/>
-              </a:rPr>
-              <a:t>Persist across sessions</a:t>
-            </a:r>
-          </a:p>
-          <a:p>
-            <a:pPr lvl="1"/>
-            <a:r>
-              <a:rPr lang="en-US" dirty="0">
-                <a:latin typeface="Segoe UI" panose="020B0502040204020203" pitchFamily="34" charset="0"/>
-                <a:cs typeface="Segoe UI" panose="020B0502040204020203" pitchFamily="34" charset="0"/>
-              </a:rPr>
-              <a:t>Azure Drive (PowerShell)</a:t>
-            </a:r>
-          </a:p>
-          <a:p>
-            <a:pPr lvl="1"/>
-            <a:r>
-              <a:rPr lang="en-US" dirty="0">
-                <a:latin typeface="Segoe UI" panose="020B0502040204020203" pitchFamily="34" charset="0"/>
-                <a:cs typeface="Segoe UI" panose="020B0502040204020203" pitchFamily="34" charset="0"/>
-              </a:rPr>
-              <a:t>Multiple tools to manage resources</a:t>
-            </a:r>
-          </a:p>
-          <a:p>
-            <a:pPr lvl="1"/>
-            <a:r>
-              <a:rPr lang="en-US" dirty="0">
-                <a:latin typeface="Segoe UI" panose="020B0502040204020203" pitchFamily="34" charset="0"/>
-                <a:cs typeface="Segoe UI" panose="020B0502040204020203" pitchFamily="34" charset="0"/>
-              </a:rPr>
-              <a:t>Integrated Cloud Shell editor</a:t>
             </a:r>
           </a:p>
         </p:txBody>
@@ -4090,7 +4267,7 @@
 </p:sld>
 </file>
 
-<file path=ppt/slides/slide3.xml><?xml version="1.0" encoding="utf-8"?>
+<file path=ppt/slides/slide4.xml><?xml version="1.0" encoding="utf-8"?>
 <p:sld xmlns:a="http://schemas.openxmlformats.org/drawingml/2006/main" xmlns:r="http://schemas.openxmlformats.org/officeDocument/2006/relationships" xmlns:p="http://schemas.openxmlformats.org/presentationml/2006/main">
   <p:cSld>
     <p:bg>
@@ -4235,7 +4412,7 @@
           <a:lstStyle/>
           <a:p>
             <a:r>
-              <a:rPr lang="en-US" sz="5400" kern="1200">
+              <a:rPr lang="en-US" sz="5400" kern="1200" dirty="0">
                 <a:solidFill>
                   <a:srgbClr val="FFFFFF"/>
                 </a:solidFill>
@@ -4342,6 +4519,1107 @@
     <p:extLst>
       <p:ext uri="{BB962C8B-B14F-4D97-AF65-F5344CB8AC3E}">
         <p14:creationId xmlns:p14="http://schemas.microsoft.com/office/powerpoint/2010/main" val="683720604"/>
+      </p:ext>
+    </p:extLst>
+  </p:cSld>
+  <p:clrMapOvr>
+    <a:masterClrMapping/>
+  </p:clrMapOvr>
+</p:sld>
+</file>
+
+<file path=ppt/slides/slide5.xml><?xml version="1.0" encoding="utf-8"?>
+<p:sld xmlns:a="http://schemas.openxmlformats.org/drawingml/2006/main" xmlns:r="http://schemas.openxmlformats.org/officeDocument/2006/relationships" xmlns:p="http://schemas.openxmlformats.org/presentationml/2006/main">
+  <p:cSld>
+    <p:spTree>
+      <p:nvGrpSpPr>
+        <p:cNvPr id="1" name=""/>
+        <p:cNvGrpSpPr/>
+        <p:nvPr/>
+      </p:nvGrpSpPr>
+      <p:grpSpPr>
+        <a:xfrm>
+          <a:off x="0" y="0"/>
+          <a:ext cx="0" cy="0"/>
+          <a:chOff x="0" y="0"/>
+          <a:chExt cx="0" cy="0"/>
+        </a:xfrm>
+      </p:grpSpPr>
+      <p:sp>
+        <p:nvSpPr>
+          <p:cNvPr id="2" name="Title 1">
+            <a:extLst>
+              <a:ext uri="{FF2B5EF4-FFF2-40B4-BE49-F238E27FC236}">
+                <a16:creationId xmlns:a16="http://schemas.microsoft.com/office/drawing/2014/main" id="{6287E649-7DA5-45A9-BF97-C7AA3E09DBC0}"/>
+              </a:ext>
+            </a:extLst>
+          </p:cNvPr>
+          <p:cNvSpPr>
+            <a:spLocks noGrp="1"/>
+          </p:cNvSpPr>
+          <p:nvPr>
+            <p:ph type="title"/>
+          </p:nvPr>
+        </p:nvSpPr>
+        <p:spPr/>
+        <p:txBody>
+          <a:bodyPr/>
+          <a:lstStyle/>
+          <a:p>
+            <a:r>
+              <a:rPr lang="en-US" dirty="0">
+                <a:latin typeface="Segoe UI" panose="020B0502040204020203" pitchFamily="34" charset="0"/>
+                <a:cs typeface="Segoe UI" panose="020B0502040204020203" pitchFamily="34" charset="0"/>
+              </a:rPr>
+              <a:t>Azure Cloud Shell - Features</a:t>
+            </a:r>
+          </a:p>
+        </p:txBody>
+      </p:sp>
+      <p:sp>
+        <p:nvSpPr>
+          <p:cNvPr id="3" name="Content Placeholder 2">
+            <a:extLst>
+              <a:ext uri="{FF2B5EF4-FFF2-40B4-BE49-F238E27FC236}">
+                <a16:creationId xmlns:a16="http://schemas.microsoft.com/office/drawing/2014/main" id="{AC5F1617-7266-45A4-97BC-BDFF3FDB5A1E}"/>
+              </a:ext>
+            </a:extLst>
+          </p:cNvPr>
+          <p:cNvSpPr>
+            <a:spLocks noGrp="1"/>
+          </p:cNvSpPr>
+          <p:nvPr>
+            <p:ph idx="1"/>
+          </p:nvPr>
+        </p:nvSpPr>
+        <p:spPr/>
+        <p:txBody>
+          <a:bodyPr>
+            <a:normAutofit/>
+          </a:bodyPr>
+          <a:lstStyle/>
+          <a:p>
+            <a:r>
+              <a:rPr lang="en-US" dirty="0">
+                <a:latin typeface="Segoe UI" panose="020B0502040204020203" pitchFamily="34" charset="0"/>
+                <a:cs typeface="Segoe UI" panose="020B0502040204020203" pitchFamily="34" charset="0"/>
+              </a:rPr>
+              <a:t>Secure automatic authentication</a:t>
+            </a:r>
+          </a:p>
+          <a:p>
+            <a:r>
+              <a:rPr lang="en-US" dirty="0">
+                <a:latin typeface="Segoe UI" panose="020B0502040204020203" pitchFamily="34" charset="0"/>
+                <a:cs typeface="Segoe UI" panose="020B0502040204020203" pitchFamily="34" charset="0"/>
+              </a:rPr>
+              <a:t>Azure Drive (PowerShell)</a:t>
+            </a:r>
+          </a:p>
+          <a:p>
+            <a:r>
+              <a:rPr lang="en-US">
+                <a:latin typeface="Segoe UI" panose="020B0502040204020203" pitchFamily="34" charset="0"/>
+                <a:cs typeface="Segoe UI" panose="020B0502040204020203" pitchFamily="34" charset="0"/>
+              </a:rPr>
+              <a:t>Persist </a:t>
+            </a:r>
+            <a:r>
+              <a:rPr lang="en-US" dirty="0">
+                <a:latin typeface="Segoe UI" panose="020B0502040204020203" pitchFamily="34" charset="0"/>
+                <a:cs typeface="Segoe UI" panose="020B0502040204020203" pitchFamily="34" charset="0"/>
+              </a:rPr>
+              <a:t>across sessions</a:t>
+            </a:r>
+          </a:p>
+          <a:p>
+            <a:r>
+              <a:rPr lang="en-US" dirty="0">
+                <a:latin typeface="Segoe UI" panose="020B0502040204020203" pitchFamily="34" charset="0"/>
+                <a:cs typeface="Segoe UI" panose="020B0502040204020203" pitchFamily="34" charset="0"/>
+              </a:rPr>
+              <a:t>Multiple tools to manage resources</a:t>
+            </a:r>
+          </a:p>
+          <a:p>
+            <a:r>
+              <a:rPr lang="en-US" dirty="0">
+                <a:latin typeface="Segoe UI" panose="020B0502040204020203" pitchFamily="34" charset="0"/>
+                <a:cs typeface="Segoe UI" panose="020B0502040204020203" pitchFamily="34" charset="0"/>
+              </a:rPr>
+              <a:t>Integrated Cloud Shell editor</a:t>
+            </a:r>
+          </a:p>
+        </p:txBody>
+      </p:sp>
+    </p:spTree>
+    <p:extLst>
+      <p:ext uri="{BB962C8B-B14F-4D97-AF65-F5344CB8AC3E}">
+        <p14:creationId xmlns:p14="http://schemas.microsoft.com/office/powerpoint/2010/main" val="2343056393"/>
+      </p:ext>
+    </p:extLst>
+  </p:cSld>
+  <p:clrMapOvr>
+    <a:masterClrMapping/>
+  </p:clrMapOvr>
+</p:sld>
+</file>
+
+<file path=ppt/slides/slide6.xml><?xml version="1.0" encoding="utf-8"?>
+<p:sld xmlns:a="http://schemas.openxmlformats.org/drawingml/2006/main" xmlns:r="http://schemas.openxmlformats.org/officeDocument/2006/relationships" xmlns:p="http://schemas.openxmlformats.org/presentationml/2006/main">
+  <p:cSld>
+    <p:spTree>
+      <p:nvGrpSpPr>
+        <p:cNvPr id="1" name=""/>
+        <p:cNvGrpSpPr/>
+        <p:nvPr/>
+      </p:nvGrpSpPr>
+      <p:grpSpPr>
+        <a:xfrm>
+          <a:off x="0" y="0"/>
+          <a:ext cx="0" cy="0"/>
+          <a:chOff x="0" y="0"/>
+          <a:chExt cx="0" cy="0"/>
+        </a:xfrm>
+      </p:grpSpPr>
+      <p:sp>
+        <p:nvSpPr>
+          <p:cNvPr id="2" name="Title 1">
+            <a:extLst>
+              <a:ext uri="{FF2B5EF4-FFF2-40B4-BE49-F238E27FC236}">
+                <a16:creationId xmlns:a16="http://schemas.microsoft.com/office/drawing/2014/main" id="{C742C379-DE36-47D7-A01D-8882EBF872D9}"/>
+              </a:ext>
+            </a:extLst>
+          </p:cNvPr>
+          <p:cNvSpPr>
+            <a:spLocks noGrp="1"/>
+          </p:cNvSpPr>
+          <p:nvPr>
+            <p:ph type="title"/>
+          </p:nvPr>
+        </p:nvSpPr>
+        <p:spPr>
+          <a:xfrm>
+            <a:off x="5189620" y="1306071"/>
+            <a:ext cx="5478379" cy="2663407"/>
+          </a:xfrm>
+        </p:spPr>
+        <p:txBody>
+          <a:bodyPr vert="horz" lIns="91440" tIns="45720" rIns="91440" bIns="45720" rtlCol="0" anchor="b">
+            <a:normAutofit/>
+          </a:bodyPr>
+          <a:lstStyle/>
+          <a:p>
+            <a:r>
+              <a:rPr lang="en-US" sz="5400" kern="1200">
+                <a:solidFill>
+                  <a:srgbClr val="FFFFFF"/>
+                </a:solidFill>
+                <a:latin typeface="Segoe UI" panose="020B0502040204020203" pitchFamily="34" charset="0"/>
+                <a:cs typeface="Segoe UI" panose="020B0502040204020203" pitchFamily="34" charset="0"/>
+              </a:rPr>
+              <a:t>Demo</a:t>
+            </a:r>
+          </a:p>
+        </p:txBody>
+      </p:sp>
+      <p:sp>
+        <p:nvSpPr>
+          <p:cNvPr id="3" name="Content Placeholder 2">
+            <a:extLst>
+              <a:ext uri="{FF2B5EF4-FFF2-40B4-BE49-F238E27FC236}">
+                <a16:creationId xmlns:a16="http://schemas.microsoft.com/office/drawing/2014/main" id="{8A422246-410C-454A-90B5-825F40B2866E}"/>
+              </a:ext>
+            </a:extLst>
+          </p:cNvPr>
+          <p:cNvSpPr>
+            <a:spLocks noGrp="1"/>
+          </p:cNvSpPr>
+          <p:nvPr>
+            <p:ph idx="1"/>
+          </p:nvPr>
+        </p:nvSpPr>
+        <p:spPr>
+          <a:xfrm>
+            <a:off x="5189620" y="4106004"/>
+            <a:ext cx="5478380" cy="1860883"/>
+          </a:xfrm>
+        </p:spPr>
+        <p:txBody>
+          <a:bodyPr vert="horz" lIns="91440" tIns="45720" rIns="91440" bIns="45720" rtlCol="0">
+            <a:normAutofit/>
+          </a:bodyPr>
+          <a:lstStyle/>
+          <a:p>
+            <a:pPr marL="0" indent="0">
+              <a:buNone/>
+            </a:pPr>
+            <a:r>
+              <a:rPr lang="en-US" sz="2400" kern="1200" dirty="0">
+                <a:solidFill>
+                  <a:srgbClr val="FFFFFF"/>
+                </a:solidFill>
+                <a:latin typeface="Segoe UI" panose="020B0502040204020203" pitchFamily="34" charset="0"/>
+                <a:cs typeface="Segoe UI" panose="020B0502040204020203" pitchFamily="34" charset="0"/>
+              </a:rPr>
+              <a:t>Accessing Cloud Shell</a:t>
+            </a:r>
+          </a:p>
+        </p:txBody>
+      </p:sp>
+      <p:pic>
+        <p:nvPicPr>
+          <p:cNvPr id="32" name="Picture 4" descr="Image result for Azure Cloud Shell">
+            <a:extLst>
+              <a:ext uri="{FF2B5EF4-FFF2-40B4-BE49-F238E27FC236}">
+                <a16:creationId xmlns:a16="http://schemas.microsoft.com/office/drawing/2014/main" id="{4AB66C53-E6ED-47A3-8E0C-F7E273EDBFE8}"/>
+              </a:ext>
+            </a:extLst>
+          </p:cNvPr>
+          <p:cNvPicPr>
+            <a:picLocks noChangeAspect="1" noChangeArrowheads="1"/>
+          </p:cNvPicPr>
+          <p:nvPr/>
+        </p:nvPicPr>
+        <p:blipFill>
+          <a:blip r:embed="rId2">
+            <a:extLst>
+              <a:ext uri="{28A0092B-C50C-407E-A947-70E740481C1C}">
+                <a14:useLocalDpi xmlns:a14="http://schemas.microsoft.com/office/drawing/2010/main" val="0"/>
+              </a:ext>
+            </a:extLst>
+          </a:blip>
+          <a:srcRect/>
+          <a:stretch>
+            <a:fillRect/>
+          </a:stretch>
+        </p:blipFill>
+        <p:spPr bwMode="auto">
+          <a:xfrm>
+            <a:off x="215129" y="2637774"/>
+            <a:ext cx="4333949" cy="2275323"/>
+          </a:xfrm>
+          <a:prstGeom prst="rect">
+            <a:avLst/>
+          </a:prstGeom>
+          <a:noFill/>
+          <a:extLst>
+            <a:ext uri="{909E8E84-426E-40DD-AFC4-6F175D3DCCD1}">
+              <a14:hiddenFill xmlns:a14="http://schemas.microsoft.com/office/drawing/2010/main">
+                <a:solidFill>
+                  <a:srgbClr val="FFFFFF"/>
+                </a:solidFill>
+              </a14:hiddenFill>
+            </a:ext>
+          </a:extLst>
+        </p:spPr>
+      </p:pic>
+      <p:sp>
+        <p:nvSpPr>
+          <p:cNvPr id="6" name="Rectangle 5">
+            <a:extLst>
+              <a:ext uri="{FF2B5EF4-FFF2-40B4-BE49-F238E27FC236}">
+                <a16:creationId xmlns:a16="http://schemas.microsoft.com/office/drawing/2014/main" id="{F968F00F-6B01-4D7E-8E7B-FF763E6AB1BD}"/>
+              </a:ext>
+            </a:extLst>
+          </p:cNvPr>
+          <p:cNvSpPr/>
+          <p:nvPr/>
+        </p:nvSpPr>
+        <p:spPr>
+          <a:xfrm>
+            <a:off x="4654296" y="-2"/>
+            <a:ext cx="7537704" cy="6858002"/>
+          </a:xfrm>
+          <a:prstGeom prst="rect">
+            <a:avLst/>
+          </a:prstGeom>
+          <a:ln>
+            <a:noFill/>
+          </a:ln>
+        </p:spPr>
+        <p:style>
+          <a:lnRef idx="2">
+            <a:schemeClr val="accent1">
+              <a:shade val="50000"/>
+            </a:schemeClr>
+          </a:lnRef>
+          <a:fillRef idx="1">
+            <a:schemeClr val="accent1"/>
+          </a:fillRef>
+          <a:effectRef idx="0">
+            <a:schemeClr val="accent1"/>
+          </a:effectRef>
+          <a:fontRef idx="minor">
+            <a:schemeClr val="lt1"/>
+          </a:fontRef>
+        </p:style>
+        <p:txBody>
+          <a:bodyPr rtlCol="0" anchor="ctr"/>
+          <a:lstStyle/>
+          <a:p>
+            <a:pPr algn="ctr"/>
+            <a:endParaRPr lang="en-IN" dirty="0"/>
+          </a:p>
+        </p:txBody>
+      </p:sp>
+      <p:sp>
+        <p:nvSpPr>
+          <p:cNvPr id="7" name="Title 1">
+            <a:extLst>
+              <a:ext uri="{FF2B5EF4-FFF2-40B4-BE49-F238E27FC236}">
+                <a16:creationId xmlns:a16="http://schemas.microsoft.com/office/drawing/2014/main" id="{4F675A71-B26E-4FF1-A210-484D98B2A347}"/>
+              </a:ext>
+            </a:extLst>
+          </p:cNvPr>
+          <p:cNvSpPr txBox="1">
+            <a:spLocks/>
+          </p:cNvSpPr>
+          <p:nvPr/>
+        </p:nvSpPr>
+        <p:spPr>
+          <a:xfrm>
+            <a:off x="5342020" y="1458471"/>
+            <a:ext cx="5478379" cy="2663407"/>
+          </a:xfrm>
+          <a:prstGeom prst="rect">
+            <a:avLst/>
+          </a:prstGeom>
+        </p:spPr>
+        <p:txBody>
+          <a:bodyPr vert="horz" lIns="91440" tIns="45720" rIns="91440" bIns="45720" rtlCol="0" anchor="b">
+            <a:normAutofit/>
+          </a:bodyPr>
+          <a:lstStyle>
+            <a:lvl1pPr algn="l" defTabSz="914400" rtl="0" eaLnBrk="1" latinLnBrk="0" hangingPunct="1">
+              <a:lnSpc>
+                <a:spcPct val="90000"/>
+              </a:lnSpc>
+              <a:spcBef>
+                <a:spcPct val="0"/>
+              </a:spcBef>
+              <a:buNone/>
+              <a:defRPr sz="4400" kern="1200">
+                <a:solidFill>
+                  <a:schemeClr val="tx1"/>
+                </a:solidFill>
+                <a:latin typeface="+mj-lt"/>
+                <a:ea typeface="+mj-ea"/>
+                <a:cs typeface="+mj-cs"/>
+              </a:defRPr>
+            </a:lvl1pPr>
+          </a:lstStyle>
+          <a:p>
+            <a:r>
+              <a:rPr lang="en-US" sz="5400">
+                <a:solidFill>
+                  <a:srgbClr val="FFFFFF"/>
+                </a:solidFill>
+                <a:latin typeface="Segoe UI" panose="020B0502040204020203" pitchFamily="34" charset="0"/>
+                <a:cs typeface="Segoe UI" panose="020B0502040204020203" pitchFamily="34" charset="0"/>
+              </a:rPr>
+              <a:t>Demo</a:t>
+            </a:r>
+            <a:endParaRPr lang="en-US" sz="5400" dirty="0">
+              <a:solidFill>
+                <a:srgbClr val="FFFFFF"/>
+              </a:solidFill>
+              <a:latin typeface="Segoe UI" panose="020B0502040204020203" pitchFamily="34" charset="0"/>
+              <a:cs typeface="Segoe UI" panose="020B0502040204020203" pitchFamily="34" charset="0"/>
+            </a:endParaRPr>
+          </a:p>
+        </p:txBody>
+      </p:sp>
+      <p:sp>
+        <p:nvSpPr>
+          <p:cNvPr id="8" name="Content Placeholder 2">
+            <a:extLst>
+              <a:ext uri="{FF2B5EF4-FFF2-40B4-BE49-F238E27FC236}">
+                <a16:creationId xmlns:a16="http://schemas.microsoft.com/office/drawing/2014/main" id="{3D796A5F-D149-4156-B86E-2B3A1A1A9711}"/>
+              </a:ext>
+            </a:extLst>
+          </p:cNvPr>
+          <p:cNvSpPr txBox="1">
+            <a:spLocks/>
+          </p:cNvSpPr>
+          <p:nvPr/>
+        </p:nvSpPr>
+        <p:spPr>
+          <a:xfrm>
+            <a:off x="5342020" y="4258404"/>
+            <a:ext cx="5478380" cy="1860883"/>
+          </a:xfrm>
+          <a:prstGeom prst="rect">
+            <a:avLst/>
+          </a:prstGeom>
+        </p:spPr>
+        <p:txBody>
+          <a:bodyPr vert="horz" lIns="91440" tIns="45720" rIns="91440" bIns="45720" rtlCol="0">
+            <a:normAutofit/>
+          </a:bodyPr>
+          <a:lstStyle>
+            <a:lvl1pPr marL="228600" indent="-228600" algn="l" defTabSz="914400" rtl="0" eaLnBrk="1" latinLnBrk="0" hangingPunct="1">
+              <a:lnSpc>
+                <a:spcPct val="90000"/>
+              </a:lnSpc>
+              <a:spcBef>
+                <a:spcPts val="1000"/>
+              </a:spcBef>
+              <a:buFont typeface="Arial" panose="020B0604020202020204" pitchFamily="34" charset="0"/>
+              <a:buChar char="•"/>
+              <a:defRPr sz="2800" kern="1200">
+                <a:solidFill>
+                  <a:schemeClr val="tx1"/>
+                </a:solidFill>
+                <a:latin typeface="+mn-lt"/>
+                <a:ea typeface="+mn-ea"/>
+                <a:cs typeface="+mn-cs"/>
+              </a:defRPr>
+            </a:lvl1pPr>
+            <a:lvl2pPr marL="685800" indent="-228600" algn="l" defTabSz="914400" rtl="0" eaLnBrk="1" latinLnBrk="0" hangingPunct="1">
+              <a:lnSpc>
+                <a:spcPct val="90000"/>
+              </a:lnSpc>
+              <a:spcBef>
+                <a:spcPts val="500"/>
+              </a:spcBef>
+              <a:buFont typeface="Arial" panose="020B0604020202020204" pitchFamily="34" charset="0"/>
+              <a:buChar char="•"/>
+              <a:defRPr sz="2400" kern="1200">
+                <a:solidFill>
+                  <a:schemeClr val="tx1"/>
+                </a:solidFill>
+                <a:latin typeface="+mn-lt"/>
+                <a:ea typeface="+mn-ea"/>
+                <a:cs typeface="+mn-cs"/>
+              </a:defRPr>
+            </a:lvl2pPr>
+            <a:lvl3pPr marL="1143000" indent="-228600" algn="l" defTabSz="914400" rtl="0" eaLnBrk="1" latinLnBrk="0" hangingPunct="1">
+              <a:lnSpc>
+                <a:spcPct val="90000"/>
+              </a:lnSpc>
+              <a:spcBef>
+                <a:spcPts val="500"/>
+              </a:spcBef>
+              <a:buFont typeface="Arial" panose="020B0604020202020204" pitchFamily="34" charset="0"/>
+              <a:buChar char="•"/>
+              <a:defRPr sz="2000" kern="1200">
+                <a:solidFill>
+                  <a:schemeClr val="tx1"/>
+                </a:solidFill>
+                <a:latin typeface="+mn-lt"/>
+                <a:ea typeface="+mn-ea"/>
+                <a:cs typeface="+mn-cs"/>
+              </a:defRPr>
+            </a:lvl3pPr>
+            <a:lvl4pPr marL="1600200" indent="-228600" algn="l" defTabSz="914400" rtl="0" eaLnBrk="1" latinLnBrk="0" hangingPunct="1">
+              <a:lnSpc>
+                <a:spcPct val="90000"/>
+              </a:lnSpc>
+              <a:spcBef>
+                <a:spcPts val="500"/>
+              </a:spcBef>
+              <a:buFont typeface="Arial" panose="020B0604020202020204" pitchFamily="34" charset="0"/>
+              <a:buChar char="•"/>
+              <a:defRPr sz="1800" kern="1200">
+                <a:solidFill>
+                  <a:schemeClr val="tx1"/>
+                </a:solidFill>
+                <a:latin typeface="+mn-lt"/>
+                <a:ea typeface="+mn-ea"/>
+                <a:cs typeface="+mn-cs"/>
+              </a:defRPr>
+            </a:lvl4pPr>
+            <a:lvl5pPr marL="2057400" indent="-228600" algn="l" defTabSz="914400" rtl="0" eaLnBrk="1" latinLnBrk="0" hangingPunct="1">
+              <a:lnSpc>
+                <a:spcPct val="90000"/>
+              </a:lnSpc>
+              <a:spcBef>
+                <a:spcPts val="500"/>
+              </a:spcBef>
+              <a:buFont typeface="Arial" panose="020B0604020202020204" pitchFamily="34" charset="0"/>
+              <a:buChar char="•"/>
+              <a:defRPr sz="1800" kern="1200">
+                <a:solidFill>
+                  <a:schemeClr val="tx1"/>
+                </a:solidFill>
+                <a:latin typeface="+mn-lt"/>
+                <a:ea typeface="+mn-ea"/>
+                <a:cs typeface="+mn-cs"/>
+              </a:defRPr>
+            </a:lvl5pPr>
+            <a:lvl6pPr marL="2514600" indent="-228600" algn="l" defTabSz="914400" rtl="0" eaLnBrk="1" latinLnBrk="0" hangingPunct="1">
+              <a:lnSpc>
+                <a:spcPct val="90000"/>
+              </a:lnSpc>
+              <a:spcBef>
+                <a:spcPts val="500"/>
+              </a:spcBef>
+              <a:buFont typeface="Arial" panose="020B0604020202020204" pitchFamily="34" charset="0"/>
+              <a:buChar char="•"/>
+              <a:defRPr sz="1800" kern="1200">
+                <a:solidFill>
+                  <a:schemeClr val="tx1"/>
+                </a:solidFill>
+                <a:latin typeface="+mn-lt"/>
+                <a:ea typeface="+mn-ea"/>
+                <a:cs typeface="+mn-cs"/>
+              </a:defRPr>
+            </a:lvl6pPr>
+            <a:lvl7pPr marL="2971800" indent="-228600" algn="l" defTabSz="914400" rtl="0" eaLnBrk="1" latinLnBrk="0" hangingPunct="1">
+              <a:lnSpc>
+                <a:spcPct val="90000"/>
+              </a:lnSpc>
+              <a:spcBef>
+                <a:spcPts val="500"/>
+              </a:spcBef>
+              <a:buFont typeface="Arial" panose="020B0604020202020204" pitchFamily="34" charset="0"/>
+              <a:buChar char="•"/>
+              <a:defRPr sz="1800" kern="1200">
+                <a:solidFill>
+                  <a:schemeClr val="tx1"/>
+                </a:solidFill>
+                <a:latin typeface="+mn-lt"/>
+                <a:ea typeface="+mn-ea"/>
+                <a:cs typeface="+mn-cs"/>
+              </a:defRPr>
+            </a:lvl7pPr>
+            <a:lvl8pPr marL="3429000" indent="-228600" algn="l" defTabSz="914400" rtl="0" eaLnBrk="1" latinLnBrk="0" hangingPunct="1">
+              <a:lnSpc>
+                <a:spcPct val="90000"/>
+              </a:lnSpc>
+              <a:spcBef>
+                <a:spcPts val="500"/>
+              </a:spcBef>
+              <a:buFont typeface="Arial" panose="020B0604020202020204" pitchFamily="34" charset="0"/>
+              <a:buChar char="•"/>
+              <a:defRPr sz="1800" kern="1200">
+                <a:solidFill>
+                  <a:schemeClr val="tx1"/>
+                </a:solidFill>
+                <a:latin typeface="+mn-lt"/>
+                <a:ea typeface="+mn-ea"/>
+                <a:cs typeface="+mn-cs"/>
+              </a:defRPr>
+            </a:lvl8pPr>
+            <a:lvl9pPr marL="3886200" indent="-228600" algn="l" defTabSz="914400" rtl="0" eaLnBrk="1" latinLnBrk="0" hangingPunct="1">
+              <a:lnSpc>
+                <a:spcPct val="90000"/>
+              </a:lnSpc>
+              <a:spcBef>
+                <a:spcPts val="500"/>
+              </a:spcBef>
+              <a:buFont typeface="Arial" panose="020B0604020202020204" pitchFamily="34" charset="0"/>
+              <a:buChar char="•"/>
+              <a:defRPr sz="1800" kern="1200">
+                <a:solidFill>
+                  <a:schemeClr val="tx1"/>
+                </a:solidFill>
+                <a:latin typeface="+mn-lt"/>
+                <a:ea typeface="+mn-ea"/>
+                <a:cs typeface="+mn-cs"/>
+              </a:defRPr>
+            </a:lvl9pPr>
+          </a:lstStyle>
+          <a:p>
+            <a:pPr marL="0" indent="0">
+              <a:buFont typeface="Arial" panose="020B0604020202020204" pitchFamily="34" charset="0"/>
+              <a:buNone/>
+            </a:pPr>
+            <a:r>
+              <a:rPr lang="en-US" sz="2400" dirty="0">
+                <a:solidFill>
+                  <a:srgbClr val="FFFFFF"/>
+                </a:solidFill>
+                <a:latin typeface="Segoe UI" panose="020B0502040204020203" pitchFamily="34" charset="0"/>
+                <a:cs typeface="Segoe UI" panose="020B0502040204020203" pitchFamily="34" charset="0"/>
+              </a:rPr>
+              <a:t>Cloud Shell Features</a:t>
+            </a:r>
+          </a:p>
+        </p:txBody>
+      </p:sp>
+    </p:spTree>
+    <p:extLst>
+      <p:ext uri="{BB962C8B-B14F-4D97-AF65-F5344CB8AC3E}">
+        <p14:creationId xmlns:p14="http://schemas.microsoft.com/office/powerpoint/2010/main" val="3829646966"/>
+      </p:ext>
+    </p:extLst>
+  </p:cSld>
+  <p:clrMapOvr>
+    <a:masterClrMapping/>
+  </p:clrMapOvr>
+</p:sld>
+</file>
+
+<file path=ppt/slides/slide7.xml><?xml version="1.0" encoding="utf-8"?>
+<p:sld xmlns:a="http://schemas.openxmlformats.org/drawingml/2006/main" xmlns:r="http://schemas.openxmlformats.org/officeDocument/2006/relationships" xmlns:p="http://schemas.openxmlformats.org/presentationml/2006/main">
+  <p:cSld>
+    <p:spTree>
+      <p:nvGrpSpPr>
+        <p:cNvPr id="1" name=""/>
+        <p:cNvGrpSpPr/>
+        <p:nvPr/>
+      </p:nvGrpSpPr>
+      <p:grpSpPr>
+        <a:xfrm>
+          <a:off x="0" y="0"/>
+          <a:ext cx="0" cy="0"/>
+          <a:chOff x="0" y="0"/>
+          <a:chExt cx="0" cy="0"/>
+        </a:xfrm>
+      </p:grpSpPr>
+      <p:sp>
+        <p:nvSpPr>
+          <p:cNvPr id="2" name="Title 1">
+            <a:extLst>
+              <a:ext uri="{FF2B5EF4-FFF2-40B4-BE49-F238E27FC236}">
+                <a16:creationId xmlns:a16="http://schemas.microsoft.com/office/drawing/2014/main" id="{C742C379-DE36-47D7-A01D-8882EBF872D9}"/>
+              </a:ext>
+            </a:extLst>
+          </p:cNvPr>
+          <p:cNvSpPr>
+            <a:spLocks noGrp="1"/>
+          </p:cNvSpPr>
+          <p:nvPr>
+            <p:ph type="title"/>
+          </p:nvPr>
+        </p:nvSpPr>
+        <p:spPr>
+          <a:xfrm>
+            <a:off x="5189620" y="1306071"/>
+            <a:ext cx="5478379" cy="2663407"/>
+          </a:xfrm>
+        </p:spPr>
+        <p:txBody>
+          <a:bodyPr vert="horz" lIns="91440" tIns="45720" rIns="91440" bIns="45720" rtlCol="0" anchor="b">
+            <a:normAutofit/>
+          </a:bodyPr>
+          <a:lstStyle/>
+          <a:p>
+            <a:r>
+              <a:rPr lang="en-US" sz="5400" kern="1200">
+                <a:solidFill>
+                  <a:srgbClr val="FFFFFF"/>
+                </a:solidFill>
+                <a:latin typeface="Segoe UI" panose="020B0502040204020203" pitchFamily="34" charset="0"/>
+                <a:cs typeface="Segoe UI" panose="020B0502040204020203" pitchFamily="34" charset="0"/>
+              </a:rPr>
+              <a:t>Demo</a:t>
+            </a:r>
+          </a:p>
+        </p:txBody>
+      </p:sp>
+      <p:sp>
+        <p:nvSpPr>
+          <p:cNvPr id="3" name="Content Placeholder 2">
+            <a:extLst>
+              <a:ext uri="{FF2B5EF4-FFF2-40B4-BE49-F238E27FC236}">
+                <a16:creationId xmlns:a16="http://schemas.microsoft.com/office/drawing/2014/main" id="{8A422246-410C-454A-90B5-825F40B2866E}"/>
+              </a:ext>
+            </a:extLst>
+          </p:cNvPr>
+          <p:cNvSpPr>
+            <a:spLocks noGrp="1"/>
+          </p:cNvSpPr>
+          <p:nvPr>
+            <p:ph idx="1"/>
+          </p:nvPr>
+        </p:nvSpPr>
+        <p:spPr>
+          <a:xfrm>
+            <a:off x="5189620" y="4106004"/>
+            <a:ext cx="5478380" cy="1860883"/>
+          </a:xfrm>
+        </p:spPr>
+        <p:txBody>
+          <a:bodyPr vert="horz" lIns="91440" tIns="45720" rIns="91440" bIns="45720" rtlCol="0">
+            <a:normAutofit/>
+          </a:bodyPr>
+          <a:lstStyle/>
+          <a:p>
+            <a:pPr marL="0" indent="0">
+              <a:buNone/>
+            </a:pPr>
+            <a:r>
+              <a:rPr lang="en-US" sz="2400" kern="1200" dirty="0">
+                <a:solidFill>
+                  <a:srgbClr val="FFFFFF"/>
+                </a:solidFill>
+                <a:latin typeface="Segoe UI" panose="020B0502040204020203" pitchFamily="34" charset="0"/>
+                <a:cs typeface="Segoe UI" panose="020B0502040204020203" pitchFamily="34" charset="0"/>
+              </a:rPr>
+              <a:t>Accessing Cloud Shell</a:t>
+            </a:r>
+          </a:p>
+        </p:txBody>
+      </p:sp>
+      <p:pic>
+        <p:nvPicPr>
+          <p:cNvPr id="32" name="Picture 4" descr="Image result for Azure Cloud Shell">
+            <a:extLst>
+              <a:ext uri="{FF2B5EF4-FFF2-40B4-BE49-F238E27FC236}">
+                <a16:creationId xmlns:a16="http://schemas.microsoft.com/office/drawing/2014/main" id="{4AB66C53-E6ED-47A3-8E0C-F7E273EDBFE8}"/>
+              </a:ext>
+            </a:extLst>
+          </p:cNvPr>
+          <p:cNvPicPr>
+            <a:picLocks noChangeAspect="1" noChangeArrowheads="1"/>
+          </p:cNvPicPr>
+          <p:nvPr/>
+        </p:nvPicPr>
+        <p:blipFill>
+          <a:blip r:embed="rId2">
+            <a:extLst>
+              <a:ext uri="{28A0092B-C50C-407E-A947-70E740481C1C}">
+                <a14:useLocalDpi xmlns:a14="http://schemas.microsoft.com/office/drawing/2010/main" val="0"/>
+              </a:ext>
+            </a:extLst>
+          </a:blip>
+          <a:srcRect/>
+          <a:stretch>
+            <a:fillRect/>
+          </a:stretch>
+        </p:blipFill>
+        <p:spPr bwMode="auto">
+          <a:xfrm>
+            <a:off x="215129" y="2637774"/>
+            <a:ext cx="4333949" cy="2275323"/>
+          </a:xfrm>
+          <a:prstGeom prst="rect">
+            <a:avLst/>
+          </a:prstGeom>
+          <a:noFill/>
+          <a:extLst>
+            <a:ext uri="{909E8E84-426E-40DD-AFC4-6F175D3DCCD1}">
+              <a14:hiddenFill xmlns:a14="http://schemas.microsoft.com/office/drawing/2010/main">
+                <a:solidFill>
+                  <a:srgbClr val="FFFFFF"/>
+                </a:solidFill>
+              </a14:hiddenFill>
+            </a:ext>
+          </a:extLst>
+        </p:spPr>
+      </p:pic>
+      <p:sp>
+        <p:nvSpPr>
+          <p:cNvPr id="6" name="Rectangle 5">
+            <a:extLst>
+              <a:ext uri="{FF2B5EF4-FFF2-40B4-BE49-F238E27FC236}">
+                <a16:creationId xmlns:a16="http://schemas.microsoft.com/office/drawing/2014/main" id="{F968F00F-6B01-4D7E-8E7B-FF763E6AB1BD}"/>
+              </a:ext>
+            </a:extLst>
+          </p:cNvPr>
+          <p:cNvSpPr/>
+          <p:nvPr/>
+        </p:nvSpPr>
+        <p:spPr>
+          <a:xfrm>
+            <a:off x="4654296" y="-14441"/>
+            <a:ext cx="7537704" cy="6858002"/>
+          </a:xfrm>
+          <a:prstGeom prst="rect">
+            <a:avLst/>
+          </a:prstGeom>
+          <a:ln>
+            <a:noFill/>
+          </a:ln>
+        </p:spPr>
+        <p:style>
+          <a:lnRef idx="2">
+            <a:schemeClr val="accent1">
+              <a:shade val="50000"/>
+            </a:schemeClr>
+          </a:lnRef>
+          <a:fillRef idx="1">
+            <a:schemeClr val="accent1"/>
+          </a:fillRef>
+          <a:effectRef idx="0">
+            <a:schemeClr val="accent1"/>
+          </a:effectRef>
+          <a:fontRef idx="minor">
+            <a:schemeClr val="lt1"/>
+          </a:fontRef>
+        </p:style>
+        <p:txBody>
+          <a:bodyPr rtlCol="0" anchor="ctr"/>
+          <a:lstStyle/>
+          <a:p>
+            <a:pPr algn="ctr"/>
+            <a:endParaRPr lang="en-IN" dirty="0"/>
+          </a:p>
+        </p:txBody>
+      </p:sp>
+      <p:sp>
+        <p:nvSpPr>
+          <p:cNvPr id="7" name="Title 1">
+            <a:extLst>
+              <a:ext uri="{FF2B5EF4-FFF2-40B4-BE49-F238E27FC236}">
+                <a16:creationId xmlns:a16="http://schemas.microsoft.com/office/drawing/2014/main" id="{4F675A71-B26E-4FF1-A210-484D98B2A347}"/>
+              </a:ext>
+            </a:extLst>
+          </p:cNvPr>
+          <p:cNvSpPr txBox="1">
+            <a:spLocks/>
+          </p:cNvSpPr>
+          <p:nvPr/>
+        </p:nvSpPr>
+        <p:spPr>
+          <a:xfrm>
+            <a:off x="5342020" y="1458471"/>
+            <a:ext cx="5478379" cy="2663407"/>
+          </a:xfrm>
+          <a:prstGeom prst="rect">
+            <a:avLst/>
+          </a:prstGeom>
+        </p:spPr>
+        <p:txBody>
+          <a:bodyPr vert="horz" lIns="91440" tIns="45720" rIns="91440" bIns="45720" rtlCol="0" anchor="b">
+            <a:normAutofit/>
+          </a:bodyPr>
+          <a:lstStyle>
+            <a:lvl1pPr algn="l" defTabSz="914400" rtl="0" eaLnBrk="1" latinLnBrk="0" hangingPunct="1">
+              <a:lnSpc>
+                <a:spcPct val="90000"/>
+              </a:lnSpc>
+              <a:spcBef>
+                <a:spcPct val="0"/>
+              </a:spcBef>
+              <a:buNone/>
+              <a:defRPr sz="4400" kern="1200">
+                <a:solidFill>
+                  <a:schemeClr val="tx1"/>
+                </a:solidFill>
+                <a:latin typeface="+mj-lt"/>
+                <a:ea typeface="+mj-ea"/>
+                <a:cs typeface="+mj-cs"/>
+              </a:defRPr>
+            </a:lvl1pPr>
+          </a:lstStyle>
+          <a:p>
+            <a:r>
+              <a:rPr lang="en-US" sz="5400" dirty="0">
+                <a:solidFill>
+                  <a:srgbClr val="FFFFFF"/>
+                </a:solidFill>
+                <a:latin typeface="Segoe UI" panose="020B0502040204020203" pitchFamily="34" charset="0"/>
+                <a:cs typeface="Segoe UI" panose="020B0502040204020203" pitchFamily="34" charset="0"/>
+              </a:rPr>
+              <a:t>Questions</a:t>
+            </a:r>
+          </a:p>
+        </p:txBody>
+      </p:sp>
+      <p:sp>
+        <p:nvSpPr>
+          <p:cNvPr id="8" name="Content Placeholder 2">
+            <a:extLst>
+              <a:ext uri="{FF2B5EF4-FFF2-40B4-BE49-F238E27FC236}">
+                <a16:creationId xmlns:a16="http://schemas.microsoft.com/office/drawing/2014/main" id="{3D796A5F-D149-4156-B86E-2B3A1A1A9711}"/>
+              </a:ext>
+            </a:extLst>
+          </p:cNvPr>
+          <p:cNvSpPr txBox="1">
+            <a:spLocks/>
+          </p:cNvSpPr>
+          <p:nvPr/>
+        </p:nvSpPr>
+        <p:spPr>
+          <a:xfrm>
+            <a:off x="5342020" y="4258404"/>
+            <a:ext cx="5478380" cy="1860883"/>
+          </a:xfrm>
+          <a:prstGeom prst="rect">
+            <a:avLst/>
+          </a:prstGeom>
+        </p:spPr>
+        <p:txBody>
+          <a:bodyPr vert="horz" lIns="91440" tIns="45720" rIns="91440" bIns="45720" rtlCol="0">
+            <a:normAutofit/>
+          </a:bodyPr>
+          <a:lstStyle>
+            <a:lvl1pPr marL="228600" indent="-228600" algn="l" defTabSz="914400" rtl="0" eaLnBrk="1" latinLnBrk="0" hangingPunct="1">
+              <a:lnSpc>
+                <a:spcPct val="90000"/>
+              </a:lnSpc>
+              <a:spcBef>
+                <a:spcPts val="1000"/>
+              </a:spcBef>
+              <a:buFont typeface="Arial" panose="020B0604020202020204" pitchFamily="34" charset="0"/>
+              <a:buChar char="•"/>
+              <a:defRPr sz="2800" kern="1200">
+                <a:solidFill>
+                  <a:schemeClr val="tx1"/>
+                </a:solidFill>
+                <a:latin typeface="+mn-lt"/>
+                <a:ea typeface="+mn-ea"/>
+                <a:cs typeface="+mn-cs"/>
+              </a:defRPr>
+            </a:lvl1pPr>
+            <a:lvl2pPr marL="685800" indent="-228600" algn="l" defTabSz="914400" rtl="0" eaLnBrk="1" latinLnBrk="0" hangingPunct="1">
+              <a:lnSpc>
+                <a:spcPct val="90000"/>
+              </a:lnSpc>
+              <a:spcBef>
+                <a:spcPts val="500"/>
+              </a:spcBef>
+              <a:buFont typeface="Arial" panose="020B0604020202020204" pitchFamily="34" charset="0"/>
+              <a:buChar char="•"/>
+              <a:defRPr sz="2400" kern="1200">
+                <a:solidFill>
+                  <a:schemeClr val="tx1"/>
+                </a:solidFill>
+                <a:latin typeface="+mn-lt"/>
+                <a:ea typeface="+mn-ea"/>
+                <a:cs typeface="+mn-cs"/>
+              </a:defRPr>
+            </a:lvl2pPr>
+            <a:lvl3pPr marL="1143000" indent="-228600" algn="l" defTabSz="914400" rtl="0" eaLnBrk="1" latinLnBrk="0" hangingPunct="1">
+              <a:lnSpc>
+                <a:spcPct val="90000"/>
+              </a:lnSpc>
+              <a:spcBef>
+                <a:spcPts val="500"/>
+              </a:spcBef>
+              <a:buFont typeface="Arial" panose="020B0604020202020204" pitchFamily="34" charset="0"/>
+              <a:buChar char="•"/>
+              <a:defRPr sz="2000" kern="1200">
+                <a:solidFill>
+                  <a:schemeClr val="tx1"/>
+                </a:solidFill>
+                <a:latin typeface="+mn-lt"/>
+                <a:ea typeface="+mn-ea"/>
+                <a:cs typeface="+mn-cs"/>
+              </a:defRPr>
+            </a:lvl3pPr>
+            <a:lvl4pPr marL="1600200" indent="-228600" algn="l" defTabSz="914400" rtl="0" eaLnBrk="1" latinLnBrk="0" hangingPunct="1">
+              <a:lnSpc>
+                <a:spcPct val="90000"/>
+              </a:lnSpc>
+              <a:spcBef>
+                <a:spcPts val="500"/>
+              </a:spcBef>
+              <a:buFont typeface="Arial" panose="020B0604020202020204" pitchFamily="34" charset="0"/>
+              <a:buChar char="•"/>
+              <a:defRPr sz="1800" kern="1200">
+                <a:solidFill>
+                  <a:schemeClr val="tx1"/>
+                </a:solidFill>
+                <a:latin typeface="+mn-lt"/>
+                <a:ea typeface="+mn-ea"/>
+                <a:cs typeface="+mn-cs"/>
+              </a:defRPr>
+            </a:lvl4pPr>
+            <a:lvl5pPr marL="2057400" indent="-228600" algn="l" defTabSz="914400" rtl="0" eaLnBrk="1" latinLnBrk="0" hangingPunct="1">
+              <a:lnSpc>
+                <a:spcPct val="90000"/>
+              </a:lnSpc>
+              <a:spcBef>
+                <a:spcPts val="500"/>
+              </a:spcBef>
+              <a:buFont typeface="Arial" panose="020B0604020202020204" pitchFamily="34" charset="0"/>
+              <a:buChar char="•"/>
+              <a:defRPr sz="1800" kern="1200">
+                <a:solidFill>
+                  <a:schemeClr val="tx1"/>
+                </a:solidFill>
+                <a:latin typeface="+mn-lt"/>
+                <a:ea typeface="+mn-ea"/>
+                <a:cs typeface="+mn-cs"/>
+              </a:defRPr>
+            </a:lvl5pPr>
+            <a:lvl6pPr marL="2514600" indent="-228600" algn="l" defTabSz="914400" rtl="0" eaLnBrk="1" latinLnBrk="0" hangingPunct="1">
+              <a:lnSpc>
+                <a:spcPct val="90000"/>
+              </a:lnSpc>
+              <a:spcBef>
+                <a:spcPts val="500"/>
+              </a:spcBef>
+              <a:buFont typeface="Arial" panose="020B0604020202020204" pitchFamily="34" charset="0"/>
+              <a:buChar char="•"/>
+              <a:defRPr sz="1800" kern="1200">
+                <a:solidFill>
+                  <a:schemeClr val="tx1"/>
+                </a:solidFill>
+                <a:latin typeface="+mn-lt"/>
+                <a:ea typeface="+mn-ea"/>
+                <a:cs typeface="+mn-cs"/>
+              </a:defRPr>
+            </a:lvl6pPr>
+            <a:lvl7pPr marL="2971800" indent="-228600" algn="l" defTabSz="914400" rtl="0" eaLnBrk="1" latinLnBrk="0" hangingPunct="1">
+              <a:lnSpc>
+                <a:spcPct val="90000"/>
+              </a:lnSpc>
+              <a:spcBef>
+                <a:spcPts val="500"/>
+              </a:spcBef>
+              <a:buFont typeface="Arial" panose="020B0604020202020204" pitchFamily="34" charset="0"/>
+              <a:buChar char="•"/>
+              <a:defRPr sz="1800" kern="1200">
+                <a:solidFill>
+                  <a:schemeClr val="tx1"/>
+                </a:solidFill>
+                <a:latin typeface="+mn-lt"/>
+                <a:ea typeface="+mn-ea"/>
+                <a:cs typeface="+mn-cs"/>
+              </a:defRPr>
+            </a:lvl7pPr>
+            <a:lvl8pPr marL="3429000" indent="-228600" algn="l" defTabSz="914400" rtl="0" eaLnBrk="1" latinLnBrk="0" hangingPunct="1">
+              <a:lnSpc>
+                <a:spcPct val="90000"/>
+              </a:lnSpc>
+              <a:spcBef>
+                <a:spcPts val="500"/>
+              </a:spcBef>
+              <a:buFont typeface="Arial" panose="020B0604020202020204" pitchFamily="34" charset="0"/>
+              <a:buChar char="•"/>
+              <a:defRPr sz="1800" kern="1200">
+                <a:solidFill>
+                  <a:schemeClr val="tx1"/>
+                </a:solidFill>
+                <a:latin typeface="+mn-lt"/>
+                <a:ea typeface="+mn-ea"/>
+                <a:cs typeface="+mn-cs"/>
+              </a:defRPr>
+            </a:lvl8pPr>
+            <a:lvl9pPr marL="3886200" indent="-228600" algn="l" defTabSz="914400" rtl="0" eaLnBrk="1" latinLnBrk="0" hangingPunct="1">
+              <a:lnSpc>
+                <a:spcPct val="90000"/>
+              </a:lnSpc>
+              <a:spcBef>
+                <a:spcPts val="500"/>
+              </a:spcBef>
+              <a:buFont typeface="Arial" panose="020B0604020202020204" pitchFamily="34" charset="0"/>
+              <a:buChar char="•"/>
+              <a:defRPr sz="1800" kern="1200">
+                <a:solidFill>
+                  <a:schemeClr val="tx1"/>
+                </a:solidFill>
+                <a:latin typeface="+mn-lt"/>
+                <a:ea typeface="+mn-ea"/>
+                <a:cs typeface="+mn-cs"/>
+              </a:defRPr>
+            </a:lvl9pPr>
+          </a:lstStyle>
+          <a:p>
+            <a:pPr marL="0" indent="0">
+              <a:buFont typeface="Arial" panose="020B0604020202020204" pitchFamily="34" charset="0"/>
+              <a:buNone/>
+            </a:pPr>
+            <a:endParaRPr lang="en-US" sz="2400" dirty="0">
+              <a:solidFill>
+                <a:srgbClr val="FFFFFF"/>
+              </a:solidFill>
+              <a:latin typeface="Segoe UI" panose="020B0502040204020203" pitchFamily="34" charset="0"/>
+              <a:cs typeface="Segoe UI" panose="020B0502040204020203" pitchFamily="34" charset="0"/>
+            </a:endParaRPr>
+          </a:p>
+        </p:txBody>
+      </p:sp>
+    </p:spTree>
+    <p:extLst>
+      <p:ext uri="{BB962C8B-B14F-4D97-AF65-F5344CB8AC3E}">
+        <p14:creationId xmlns:p14="http://schemas.microsoft.com/office/powerpoint/2010/main" val="729218168"/>
       </p:ext>
     </p:extLst>
   </p:cSld>
